--- a/Byczkowski_Dominiak_Projekt_Podstawy_Teleinformatyki.pptx
+++ b/Byczkowski_Dominiak_Projekt_Podstawy_Teleinformatyki.pptx
@@ -6,10 +6,18 @@
   </p:sldMasterIdLst>
   <p:sldIdLst>
     <p:sldId id="256" r:id="rId2"/>
-    <p:sldId id="257" r:id="rId3"/>
-    <p:sldId id="258" r:id="rId4"/>
+    <p:sldId id="258" r:id="rId3"/>
+    <p:sldId id="257" r:id="rId4"/>
     <p:sldId id="259" r:id="rId5"/>
-    <p:sldId id="263" r:id="rId6"/>
+    <p:sldId id="264" r:id="rId6"/>
+    <p:sldId id="265" r:id="rId7"/>
+    <p:sldId id="270" r:id="rId8"/>
+    <p:sldId id="266" r:id="rId9"/>
+    <p:sldId id="268" r:id="rId10"/>
+    <p:sldId id="269" r:id="rId11"/>
+    <p:sldId id="267" r:id="rId12"/>
+    <p:sldId id="271" r:id="rId13"/>
+    <p:sldId id="263" r:id="rId14"/>
   </p:sldIdLst>
   <p:sldSz cx="9144000" cy="6858000" type="screen4x3"/>
   <p:notesSz cx="6858000" cy="9144000"/>
@@ -292,7 +300,7 @@
           <a:p>
             <a:fld id="{FD17FA3B-C404-4317-B0BC-953931111309}" type="datetimeFigureOut">
               <a:rPr lang="pl-PL" smtClean="0"/>
-              <a:t>22.03.2017</a:t>
+              <a:t>06.04.2017</a:t>
             </a:fld>
             <a:endParaRPr lang="pl-PL"/>
           </a:p>
@@ -457,7 +465,7 @@
           <a:p>
             <a:fld id="{FD17FA3B-C404-4317-B0BC-953931111309}" type="datetimeFigureOut">
               <a:rPr lang="pl-PL" smtClean="0"/>
-              <a:t>22.03.2017</a:t>
+              <a:t>06.04.2017</a:t>
             </a:fld>
             <a:endParaRPr lang="pl-PL"/>
           </a:p>
@@ -632,7 +640,7 @@
           <a:p>
             <a:fld id="{FD17FA3B-C404-4317-B0BC-953931111309}" type="datetimeFigureOut">
               <a:rPr lang="pl-PL" smtClean="0"/>
-              <a:t>22.03.2017</a:t>
+              <a:t>06.04.2017</a:t>
             </a:fld>
             <a:endParaRPr lang="pl-PL"/>
           </a:p>
@@ -797,7 +805,7 @@
           <a:p>
             <a:fld id="{FD17FA3B-C404-4317-B0BC-953931111309}" type="datetimeFigureOut">
               <a:rPr lang="pl-PL" smtClean="0"/>
-              <a:t>22.03.2017</a:t>
+              <a:t>06.04.2017</a:t>
             </a:fld>
             <a:endParaRPr lang="pl-PL"/>
           </a:p>
@@ -1038,7 +1046,7 @@
           <a:p>
             <a:fld id="{FD17FA3B-C404-4317-B0BC-953931111309}" type="datetimeFigureOut">
               <a:rPr lang="pl-PL" smtClean="0"/>
-              <a:t>22.03.2017</a:t>
+              <a:t>06.04.2017</a:t>
             </a:fld>
             <a:endParaRPr lang="pl-PL"/>
           </a:p>
@@ -1321,7 +1329,7 @@
           <a:p>
             <a:fld id="{FD17FA3B-C404-4317-B0BC-953931111309}" type="datetimeFigureOut">
               <a:rPr lang="pl-PL" smtClean="0"/>
-              <a:t>22.03.2017</a:t>
+              <a:t>06.04.2017</a:t>
             </a:fld>
             <a:endParaRPr lang="pl-PL"/>
           </a:p>
@@ -1738,7 +1746,7 @@
           <a:p>
             <a:fld id="{FD17FA3B-C404-4317-B0BC-953931111309}" type="datetimeFigureOut">
               <a:rPr lang="pl-PL" smtClean="0"/>
-              <a:t>22.03.2017</a:t>
+              <a:t>06.04.2017</a:t>
             </a:fld>
             <a:endParaRPr lang="pl-PL"/>
           </a:p>
@@ -1851,7 +1859,7 @@
           <a:p>
             <a:fld id="{FD17FA3B-C404-4317-B0BC-953931111309}" type="datetimeFigureOut">
               <a:rPr lang="pl-PL" smtClean="0"/>
-              <a:t>22.03.2017</a:t>
+              <a:t>06.04.2017</a:t>
             </a:fld>
             <a:endParaRPr lang="pl-PL"/>
           </a:p>
@@ -1941,7 +1949,7 @@
           <a:p>
             <a:fld id="{FD17FA3B-C404-4317-B0BC-953931111309}" type="datetimeFigureOut">
               <a:rPr lang="pl-PL" smtClean="0"/>
-              <a:t>22.03.2017</a:t>
+              <a:t>06.04.2017</a:t>
             </a:fld>
             <a:endParaRPr lang="pl-PL"/>
           </a:p>
@@ -2213,7 +2221,7 @@
           <a:p>
             <a:fld id="{FD17FA3B-C404-4317-B0BC-953931111309}" type="datetimeFigureOut">
               <a:rPr lang="pl-PL" smtClean="0"/>
-              <a:t>22.03.2017</a:t>
+              <a:t>06.04.2017</a:t>
             </a:fld>
             <a:endParaRPr lang="pl-PL"/>
           </a:p>
@@ -2461,7 +2469,7 @@
           <a:p>
             <a:fld id="{FD17FA3B-C404-4317-B0BC-953931111309}" type="datetimeFigureOut">
               <a:rPr lang="pl-PL" smtClean="0"/>
-              <a:t>22.03.2017</a:t>
+              <a:t>06.04.2017</a:t>
             </a:fld>
             <a:endParaRPr lang="pl-PL"/>
           </a:p>
@@ -2674,7 +2682,7 @@
           <a:p>
             <a:fld id="{FD17FA3B-C404-4317-B0BC-953931111309}" type="datetimeFigureOut">
               <a:rPr lang="pl-PL" smtClean="0"/>
-              <a:t>22.03.2017</a:t>
+              <a:t>06.04.2017</a:t>
             </a:fld>
             <a:endParaRPr lang="pl-PL"/>
           </a:p>
@@ -3061,7 +3069,22 @@
           <a:p>
             <a:r>
               <a:rPr lang="pl-PL" b="1" dirty="0"/>
-              <a:t>Monitor ruchu w sieci z uwzględnieniem topologii</a:t>
+              <a:t>Monitor ruchu w sieci </a:t>
+            </a:r>
+            <a:r>
+              <a:rPr lang="pl-PL" b="1" dirty="0" smtClean="0"/>
+              <a:t/>
+            </a:r>
+            <a:br>
+              <a:rPr lang="pl-PL" b="1" dirty="0" smtClean="0"/>
+            </a:br>
+            <a:r>
+              <a:rPr lang="pl-PL" b="1" dirty="0" smtClean="0"/>
+              <a:t>z </a:t>
+            </a:r>
+            <a:r>
+              <a:rPr lang="pl-PL" b="1" dirty="0"/>
+              <a:t>uwzględnieniem topologii</a:t>
             </a:r>
             <a:endParaRPr lang="pl-PL" dirty="0"/>
           </a:p>
@@ -3127,6 +3150,568 @@
     <p:extLst>
       <p:ext uri="{BB962C8B-B14F-4D97-AF65-F5344CB8AC3E}">
         <p14:creationId xmlns:p14="http://schemas.microsoft.com/office/powerpoint/2010/main" val="2132508937"/>
+      </p:ext>
+    </p:extLst>
+  </p:cSld>
+  <p:clrMapOvr>
+    <a:masterClrMapping/>
+  </p:clrMapOvr>
+</p:sld>
+</file>
+
+<file path=ppt/slides/slide10.xml><?xml version="1.0" encoding="utf-8"?>
+<p:sld xmlns:a="http://schemas.openxmlformats.org/drawingml/2006/main" xmlns:r="http://schemas.openxmlformats.org/officeDocument/2006/relationships" xmlns:p="http://schemas.openxmlformats.org/presentationml/2006/main">
+  <p:cSld>
+    <p:spTree>
+      <p:nvGrpSpPr>
+        <p:cNvPr id="1" name=""/>
+        <p:cNvGrpSpPr/>
+        <p:nvPr/>
+      </p:nvGrpSpPr>
+      <p:grpSpPr>
+        <a:xfrm>
+          <a:off x="0" y="0"/>
+          <a:ext cx="0" cy="0"/>
+          <a:chOff x="0" y="0"/>
+          <a:chExt cx="0" cy="0"/>
+        </a:xfrm>
+      </p:grpSpPr>
+      <p:sp>
+        <p:nvSpPr>
+          <p:cNvPr id="3" name="Symbol zastępczy zawartości 2"/>
+          <p:cNvSpPr>
+            <a:spLocks noGrp="1"/>
+          </p:cNvSpPr>
+          <p:nvPr>
+            <p:ph idx="1"/>
+          </p:nvPr>
+        </p:nvSpPr>
+        <p:spPr>
+          <a:xfrm>
+            <a:off x="457200" y="404664"/>
+            <a:ext cx="8229600" cy="5721499"/>
+          </a:xfrm>
+        </p:spPr>
+        <p:txBody>
+          <a:bodyPr/>
+          <a:lstStyle/>
+          <a:p>
+            <a:pPr marL="0" indent="0" algn="ctr">
+              <a:buNone/>
+            </a:pPr>
+            <a:r>
+              <a:rPr lang="pl-PL" dirty="0" smtClean="0"/>
+              <a:t>Serwer odbiera komunikat</a:t>
+            </a:r>
+          </a:p>
+          <a:p>
+            <a:pPr marL="0" indent="0" algn="ctr">
+              <a:buNone/>
+            </a:pPr>
+            <a:endParaRPr lang="pl-PL" dirty="0"/>
+          </a:p>
+          <a:p>
+            <a:pPr marL="0" indent="0" algn="ctr">
+              <a:buNone/>
+            </a:pPr>
+            <a:endParaRPr lang="pl-PL" dirty="0" smtClean="0"/>
+          </a:p>
+          <a:p>
+            <a:pPr marL="0" indent="0" algn="ctr">
+              <a:buNone/>
+            </a:pPr>
+            <a:endParaRPr lang="pl-PL" dirty="0"/>
+          </a:p>
+          <a:p>
+            <a:pPr marL="0" indent="0" algn="ctr">
+              <a:buNone/>
+            </a:pPr>
+            <a:endParaRPr lang="pl-PL" dirty="0" smtClean="0"/>
+          </a:p>
+          <a:p>
+            <a:pPr marL="0" indent="0" algn="ctr">
+              <a:buNone/>
+            </a:pPr>
+            <a:r>
+              <a:rPr lang="pl-PL" dirty="0" smtClean="0"/>
+              <a:t>Łączymy się z innej maszyny do serwera</a:t>
+            </a:r>
+            <a:endParaRPr lang="pl-PL" dirty="0"/>
+          </a:p>
+        </p:txBody>
+      </p:sp>
+      <p:pic>
+        <p:nvPicPr>
+          <p:cNvPr id="4098" name="Picture 2" descr="C:\Users\mateu\Desktop\PT-screeny\PT screeny\6.Serwer otrzymuje komunikat.JPG"/>
+          <p:cNvPicPr>
+            <a:picLocks noChangeAspect="1" noChangeArrowheads="1"/>
+          </p:cNvPicPr>
+          <p:nvPr/>
+        </p:nvPicPr>
+        <p:blipFill>
+          <a:blip r:embed="rId2">
+            <a:extLst>
+              <a:ext uri="{28A0092B-C50C-407E-A947-70E740481C1C}">
+                <a14:useLocalDpi xmlns:a14="http://schemas.microsoft.com/office/drawing/2010/main" val="0"/>
+              </a:ext>
+            </a:extLst>
+          </a:blip>
+          <a:srcRect/>
+          <a:stretch>
+            <a:fillRect/>
+          </a:stretch>
+        </p:blipFill>
+        <p:spPr bwMode="auto">
+          <a:xfrm>
+            <a:off x="1331639" y="980728"/>
+            <a:ext cx="6410325" cy="2276475"/>
+          </a:xfrm>
+          <a:prstGeom prst="rect">
+            <a:avLst/>
+          </a:prstGeom>
+          <a:noFill/>
+          <a:extLst>
+            <a:ext uri="{909E8E84-426E-40DD-AFC4-6F175D3DCCD1}">
+              <a14:hiddenFill xmlns:a14="http://schemas.microsoft.com/office/drawing/2010/main">
+                <a:solidFill>
+                  <a:srgbClr val="FFFFFF"/>
+                </a:solidFill>
+              </a14:hiddenFill>
+            </a:ext>
+          </a:extLst>
+        </p:spPr>
+      </p:pic>
+      <p:pic>
+        <p:nvPicPr>
+          <p:cNvPr id="4099" name="Picture 3" descr="C:\Users\mateu\Desktop\PT-screeny\PT screeny\7. Łączymy drugą maszynę do serwera.JPG"/>
+          <p:cNvPicPr>
+            <a:picLocks noChangeAspect="1" noChangeArrowheads="1"/>
+          </p:cNvPicPr>
+          <p:nvPr/>
+        </p:nvPicPr>
+        <p:blipFill>
+          <a:blip r:embed="rId3">
+            <a:extLst>
+              <a:ext uri="{28A0092B-C50C-407E-A947-70E740481C1C}">
+                <a14:useLocalDpi xmlns:a14="http://schemas.microsoft.com/office/drawing/2010/main" val="0"/>
+              </a:ext>
+            </a:extLst>
+          </a:blip>
+          <a:srcRect/>
+          <a:stretch>
+            <a:fillRect/>
+          </a:stretch>
+        </p:blipFill>
+        <p:spPr bwMode="auto">
+          <a:xfrm>
+            <a:off x="1345925" y="4149080"/>
+            <a:ext cx="6381751" cy="2238375"/>
+          </a:xfrm>
+          <a:prstGeom prst="rect">
+            <a:avLst/>
+          </a:prstGeom>
+          <a:noFill/>
+          <a:extLst>
+            <a:ext uri="{909E8E84-426E-40DD-AFC4-6F175D3DCCD1}">
+              <a14:hiddenFill xmlns:a14="http://schemas.microsoft.com/office/drawing/2010/main">
+                <a:solidFill>
+                  <a:srgbClr val="FFFFFF"/>
+                </a:solidFill>
+              </a14:hiddenFill>
+            </a:ext>
+          </a:extLst>
+        </p:spPr>
+      </p:pic>
+    </p:spTree>
+    <p:extLst>
+      <p:ext uri="{BB962C8B-B14F-4D97-AF65-F5344CB8AC3E}">
+        <p14:creationId xmlns:p14="http://schemas.microsoft.com/office/powerpoint/2010/main" val="3201748383"/>
+      </p:ext>
+    </p:extLst>
+  </p:cSld>
+  <p:clrMapOvr>
+    <a:masterClrMapping/>
+  </p:clrMapOvr>
+</p:sld>
+</file>
+
+<file path=ppt/slides/slide11.xml><?xml version="1.0" encoding="utf-8"?>
+<p:sld xmlns:a="http://schemas.openxmlformats.org/drawingml/2006/main" xmlns:r="http://schemas.openxmlformats.org/officeDocument/2006/relationships" xmlns:p="http://schemas.openxmlformats.org/presentationml/2006/main">
+  <p:cSld>
+    <p:spTree>
+      <p:nvGrpSpPr>
+        <p:cNvPr id="1" name=""/>
+        <p:cNvGrpSpPr/>
+        <p:nvPr/>
+      </p:nvGrpSpPr>
+      <p:grpSpPr>
+        <a:xfrm>
+          <a:off x="0" y="0"/>
+          <a:ext cx="0" cy="0"/>
+          <a:chOff x="0" y="0"/>
+          <a:chExt cx="0" cy="0"/>
+        </a:xfrm>
+      </p:grpSpPr>
+      <p:sp>
+        <p:nvSpPr>
+          <p:cNvPr id="3" name="Symbol zastępczy zawartości 2"/>
+          <p:cNvSpPr>
+            <a:spLocks noGrp="1"/>
+          </p:cNvSpPr>
+          <p:nvPr>
+            <p:ph idx="1"/>
+          </p:nvPr>
+        </p:nvSpPr>
+        <p:spPr>
+          <a:xfrm>
+            <a:off x="457200" y="260648"/>
+            <a:ext cx="8229600" cy="5865515"/>
+          </a:xfrm>
+        </p:spPr>
+        <p:txBody>
+          <a:bodyPr/>
+          <a:lstStyle/>
+          <a:p>
+            <a:pPr marL="0" indent="0" algn="ctr">
+              <a:buNone/>
+            </a:pPr>
+            <a:r>
+              <a:rPr lang="pl-PL" dirty="0" smtClean="0"/>
+              <a:t>Przesyłanie komunikatów z różnych maszyn odbywa się niezależnie</a:t>
+            </a:r>
+            <a:endParaRPr lang="pl-PL" dirty="0"/>
+          </a:p>
+        </p:txBody>
+      </p:sp>
+      <p:pic>
+        <p:nvPicPr>
+          <p:cNvPr id="5122" name="Picture 2" descr="C:\Users\mateu\Desktop\PT-screeny\PT screeny\8. Przesyłanie komunikatów do serwera z różnych maszyn może być niezależne.JPG"/>
+          <p:cNvPicPr>
+            <a:picLocks noChangeAspect="1" noChangeArrowheads="1"/>
+          </p:cNvPicPr>
+          <p:nvPr/>
+        </p:nvPicPr>
+        <p:blipFill>
+          <a:blip r:embed="rId2">
+            <a:extLst>
+              <a:ext uri="{28A0092B-C50C-407E-A947-70E740481C1C}">
+                <a14:useLocalDpi xmlns:a14="http://schemas.microsoft.com/office/drawing/2010/main" val="0"/>
+              </a:ext>
+            </a:extLst>
+          </a:blip>
+          <a:srcRect/>
+          <a:stretch>
+            <a:fillRect/>
+          </a:stretch>
+        </p:blipFill>
+        <p:spPr bwMode="auto">
+          <a:xfrm>
+            <a:off x="0" y="1563232"/>
+            <a:ext cx="8915400" cy="4343401"/>
+          </a:xfrm>
+          <a:prstGeom prst="rect">
+            <a:avLst/>
+          </a:prstGeom>
+          <a:noFill/>
+          <a:extLst>
+            <a:ext uri="{909E8E84-426E-40DD-AFC4-6F175D3DCCD1}">
+              <a14:hiddenFill xmlns:a14="http://schemas.microsoft.com/office/drawing/2010/main">
+                <a:solidFill>
+                  <a:srgbClr val="FFFFFF"/>
+                </a:solidFill>
+              </a14:hiddenFill>
+            </a:ext>
+          </a:extLst>
+        </p:spPr>
+      </p:pic>
+    </p:spTree>
+    <p:extLst>
+      <p:ext uri="{BB962C8B-B14F-4D97-AF65-F5344CB8AC3E}">
+        <p14:creationId xmlns:p14="http://schemas.microsoft.com/office/powerpoint/2010/main" val="318781508"/>
+      </p:ext>
+    </p:extLst>
+  </p:cSld>
+  <p:clrMapOvr>
+    <a:masterClrMapping/>
+  </p:clrMapOvr>
+</p:sld>
+</file>
+
+<file path=ppt/slides/slide12.xml><?xml version="1.0" encoding="utf-8"?>
+<p:sld xmlns:a="http://schemas.openxmlformats.org/drawingml/2006/main" xmlns:r="http://schemas.openxmlformats.org/officeDocument/2006/relationships" xmlns:p="http://schemas.openxmlformats.org/presentationml/2006/main">
+  <p:cSld>
+    <p:spTree>
+      <p:nvGrpSpPr>
+        <p:cNvPr id="1" name=""/>
+        <p:cNvGrpSpPr/>
+        <p:nvPr/>
+      </p:nvGrpSpPr>
+      <p:grpSpPr>
+        <a:xfrm>
+          <a:off x="0" y="0"/>
+          <a:ext cx="0" cy="0"/>
+          <a:chOff x="0" y="0"/>
+          <a:chExt cx="0" cy="0"/>
+        </a:xfrm>
+      </p:grpSpPr>
+      <p:sp>
+        <p:nvSpPr>
+          <p:cNvPr id="2" name="Tytuł 1"/>
+          <p:cNvSpPr>
+            <a:spLocks noGrp="1"/>
+          </p:cNvSpPr>
+          <p:nvPr>
+            <p:ph type="title"/>
+          </p:nvPr>
+        </p:nvSpPr>
+        <p:spPr>
+          <a:xfrm>
+            <a:off x="467544" y="260648"/>
+            <a:ext cx="8229600" cy="1143000"/>
+          </a:xfrm>
+        </p:spPr>
+        <p:txBody>
+          <a:bodyPr/>
+          <a:lstStyle/>
+          <a:p>
+            <a:r>
+              <a:rPr lang="pl-PL" dirty="0" smtClean="0"/>
+              <a:t>Następny krok</a:t>
+            </a:r>
+            <a:endParaRPr lang="pl-PL" dirty="0"/>
+          </a:p>
+        </p:txBody>
+      </p:sp>
+      <p:sp>
+        <p:nvSpPr>
+          <p:cNvPr id="3" name="Symbol zastępczy zawartości 2"/>
+          <p:cNvSpPr>
+            <a:spLocks noGrp="1"/>
+          </p:cNvSpPr>
+          <p:nvPr>
+            <p:ph idx="1"/>
+          </p:nvPr>
+        </p:nvSpPr>
+        <p:spPr/>
+        <p:txBody>
+          <a:bodyPr/>
+          <a:lstStyle/>
+          <a:p>
+            <a:pPr marL="0" indent="0" algn="ctr">
+              <a:buNone/>
+            </a:pPr>
+            <a:endParaRPr lang="pl-PL" dirty="0" smtClean="0"/>
+          </a:p>
+          <a:p>
+            <a:pPr marL="0" indent="0" algn="ctr">
+              <a:buNone/>
+            </a:pPr>
+            <a:r>
+              <a:rPr lang="pl-PL" dirty="0" smtClean="0"/>
+              <a:t>Prace </a:t>
+            </a:r>
+            <a:r>
+              <a:rPr lang="pl-PL" dirty="0"/>
+              <a:t>nad aplikacjami </a:t>
+            </a:r>
+            <a:r>
+              <a:rPr lang="pl-PL" dirty="0" smtClean="0"/>
+              <a:t>serwera/klienta, uruchomienie </a:t>
+            </a:r>
+            <a:r>
+              <a:rPr lang="pl-PL" dirty="0"/>
+              <a:t>TCP </a:t>
+            </a:r>
+            <a:r>
+              <a:rPr lang="pl-PL" dirty="0" err="1" smtClean="0"/>
+              <a:t>Dump</a:t>
+            </a:r>
+            <a:r>
+              <a:rPr lang="pl-PL" dirty="0" smtClean="0"/>
+              <a:t> na aplikacjach klienta</a:t>
+            </a:r>
+          </a:p>
+          <a:p>
+            <a:pPr marL="0" indent="0" algn="ctr">
+              <a:buNone/>
+            </a:pPr>
+            <a:r>
+              <a:rPr lang="pl-PL" b="1" dirty="0" smtClean="0"/>
+              <a:t>6.04 – 20.04</a:t>
+            </a:r>
+            <a:endParaRPr lang="pl-PL" b="1" dirty="0"/>
+          </a:p>
+          <a:p>
+            <a:pPr marL="0" indent="0" algn="ctr">
+              <a:buNone/>
+            </a:pPr>
+            <a:endParaRPr lang="pl-PL" dirty="0"/>
+          </a:p>
+        </p:txBody>
+      </p:sp>
+    </p:spTree>
+    <p:extLst>
+      <p:ext uri="{BB962C8B-B14F-4D97-AF65-F5344CB8AC3E}">
+        <p14:creationId xmlns:p14="http://schemas.microsoft.com/office/powerpoint/2010/main" val="2948280854"/>
+      </p:ext>
+    </p:extLst>
+  </p:cSld>
+  <p:clrMapOvr>
+    <a:masterClrMapping/>
+  </p:clrMapOvr>
+</p:sld>
+</file>
+
+<file path=ppt/slides/slide13.xml><?xml version="1.0" encoding="utf-8"?>
+<p:sld xmlns:a="http://schemas.openxmlformats.org/drawingml/2006/main" xmlns:r="http://schemas.openxmlformats.org/officeDocument/2006/relationships" xmlns:p="http://schemas.openxmlformats.org/presentationml/2006/main">
+  <p:cSld>
+    <p:spTree>
+      <p:nvGrpSpPr>
+        <p:cNvPr id="1" name=""/>
+        <p:cNvGrpSpPr/>
+        <p:nvPr/>
+      </p:nvGrpSpPr>
+      <p:grpSpPr>
+        <a:xfrm>
+          <a:off x="0" y="0"/>
+          <a:ext cx="0" cy="0"/>
+          <a:chOff x="0" y="0"/>
+          <a:chExt cx="0" cy="0"/>
+        </a:xfrm>
+      </p:grpSpPr>
+      <p:sp>
+        <p:nvSpPr>
+          <p:cNvPr id="2" name="Tytuł 1"/>
+          <p:cNvSpPr>
+            <a:spLocks noGrp="1"/>
+          </p:cNvSpPr>
+          <p:nvPr>
+            <p:ph type="title"/>
+          </p:nvPr>
+        </p:nvSpPr>
+        <p:spPr/>
+        <p:txBody>
+          <a:bodyPr/>
+          <a:lstStyle/>
+          <a:p>
+            <a:r>
+              <a:rPr lang="pl-PL" dirty="0" smtClean="0"/>
+              <a:t>Pytania</a:t>
+            </a:r>
+            <a:endParaRPr lang="pl-PL" dirty="0"/>
+          </a:p>
+        </p:txBody>
+      </p:sp>
+      <p:sp>
+        <p:nvSpPr>
+          <p:cNvPr id="3" name="Symbol zastępczy zawartości 2"/>
+          <p:cNvSpPr>
+            <a:spLocks noGrp="1"/>
+          </p:cNvSpPr>
+          <p:nvPr>
+            <p:ph idx="1"/>
+          </p:nvPr>
+        </p:nvSpPr>
+        <p:spPr>
+          <a:xfrm>
+            <a:off x="457200" y="1124744"/>
+            <a:ext cx="8363272" cy="5472608"/>
+          </a:xfrm>
+        </p:spPr>
+        <p:txBody>
+          <a:bodyPr>
+            <a:normAutofit/>
+          </a:bodyPr>
+          <a:lstStyle/>
+          <a:p>
+            <a:pPr marL="0" indent="0" algn="r">
+              <a:buNone/>
+            </a:pPr>
+            <a:endParaRPr lang="pl-PL" dirty="0" smtClean="0"/>
+          </a:p>
+          <a:p>
+            <a:pPr marL="0" indent="0" algn="r">
+              <a:buNone/>
+            </a:pPr>
+            <a:endParaRPr lang="pl-PL" dirty="0"/>
+          </a:p>
+          <a:p>
+            <a:pPr marL="0" indent="0" algn="r">
+              <a:buNone/>
+            </a:pPr>
+            <a:endParaRPr lang="pl-PL" dirty="0" smtClean="0"/>
+          </a:p>
+          <a:p>
+            <a:pPr marL="0" indent="0" algn="r">
+              <a:buNone/>
+            </a:pPr>
+            <a:endParaRPr lang="pl-PL" dirty="0"/>
+          </a:p>
+          <a:p>
+            <a:pPr marL="0" indent="0" algn="r">
+              <a:buNone/>
+            </a:pPr>
+            <a:endParaRPr lang="pl-PL" dirty="0" smtClean="0"/>
+          </a:p>
+          <a:p>
+            <a:pPr marL="0" indent="0" algn="r">
+              <a:buNone/>
+            </a:pPr>
+            <a:endParaRPr lang="pl-PL" dirty="0"/>
+          </a:p>
+          <a:p>
+            <a:pPr marL="0" indent="0" algn="r">
+              <a:buNone/>
+            </a:pPr>
+            <a:endParaRPr lang="pl-PL" dirty="0"/>
+          </a:p>
+        </p:txBody>
+      </p:sp>
+      <p:pic>
+        <p:nvPicPr>
+          <p:cNvPr id="1028" name="Picture 4" descr="http://mikrotik.co.id/images/artikel/TCPIP/DasarJaringan/RING.png"/>
+          <p:cNvPicPr>
+            <a:picLocks noChangeAspect="1" noChangeArrowheads="1"/>
+          </p:cNvPicPr>
+          <p:nvPr/>
+        </p:nvPicPr>
+        <p:blipFill>
+          <a:blip r:embed="rId2">
+            <a:extLst>
+              <a:ext uri="{28A0092B-C50C-407E-A947-70E740481C1C}">
+                <a14:useLocalDpi xmlns:a14="http://schemas.microsoft.com/office/drawing/2010/main" val="0"/>
+              </a:ext>
+            </a:extLst>
+          </a:blip>
+          <a:srcRect/>
+          <a:stretch>
+            <a:fillRect/>
+          </a:stretch>
+        </p:blipFill>
+        <p:spPr bwMode="auto">
+          <a:xfrm>
+            <a:off x="2339752" y="1772816"/>
+            <a:ext cx="4320480" cy="3384376"/>
+          </a:xfrm>
+          <a:prstGeom prst="rect">
+            <a:avLst/>
+          </a:prstGeom>
+          <a:noFill/>
+          <a:extLst>
+            <a:ext uri="{909E8E84-426E-40DD-AFC4-6F175D3DCCD1}">
+              <a14:hiddenFill xmlns:a14="http://schemas.microsoft.com/office/drawing/2010/main">
+                <a:solidFill>
+                  <a:srgbClr val="FFFFFF"/>
+                </a:solidFill>
+              </a14:hiddenFill>
+            </a:ext>
+          </a:extLst>
+        </p:spPr>
+      </p:pic>
+    </p:spTree>
+    <p:extLst>
+      <p:ext uri="{BB962C8B-B14F-4D97-AF65-F5344CB8AC3E}">
+        <p14:creationId xmlns:p14="http://schemas.microsoft.com/office/powerpoint/2010/main" val="105154421"/>
       </p:ext>
     </p:extLst>
   </p:cSld>
@@ -3170,6 +3755,127 @@
           <a:p>
             <a:r>
               <a:rPr lang="pl-PL" dirty="0" smtClean="0"/>
+              <a:t>Powód wybrania tematu</a:t>
+            </a:r>
+            <a:endParaRPr lang="pl-PL" dirty="0"/>
+          </a:p>
+        </p:txBody>
+      </p:sp>
+      <p:sp>
+        <p:nvSpPr>
+          <p:cNvPr id="3" name="Symbol zastępczy zawartości 2"/>
+          <p:cNvSpPr>
+            <a:spLocks noGrp="1"/>
+          </p:cNvSpPr>
+          <p:nvPr>
+            <p:ph idx="1"/>
+          </p:nvPr>
+        </p:nvSpPr>
+        <p:spPr>
+          <a:xfrm>
+            <a:off x="457200" y="1340768"/>
+            <a:ext cx="8229600" cy="5112568"/>
+          </a:xfrm>
+        </p:spPr>
+        <p:txBody>
+          <a:bodyPr>
+            <a:normAutofit/>
+          </a:bodyPr>
+          <a:lstStyle/>
+          <a:p>
+            <a:r>
+              <a:rPr lang="pl-PL" dirty="0" smtClean="0"/>
+              <a:t>Praca z pakietami sieciowymi</a:t>
+            </a:r>
+          </a:p>
+          <a:p>
+            <a:r>
+              <a:rPr lang="pl-PL" dirty="0" smtClean="0"/>
+              <a:t>Znajomość gniazd sieciowych</a:t>
+            </a:r>
+          </a:p>
+          <a:p>
+            <a:r>
+              <a:rPr lang="pl-PL" dirty="0" smtClean="0"/>
+              <a:t>Możliwość użycia bardziej zaawansowanych metod komunikacji między aplikacjami</a:t>
+            </a:r>
+          </a:p>
+          <a:p>
+            <a:r>
+              <a:rPr lang="pl-PL" dirty="0" smtClean="0"/>
+              <a:t>Możliwość rozszerzenia wiedzy zdobywanej podczas studiów</a:t>
+            </a:r>
+          </a:p>
+          <a:p>
+            <a:r>
+              <a:rPr lang="pl-PL" dirty="0" smtClean="0"/>
+              <a:t>Aplikacja może być przydatna dla innych</a:t>
+            </a:r>
+          </a:p>
+          <a:p>
+            <a:r>
+              <a:rPr lang="pl-PL" dirty="0" smtClean="0"/>
+              <a:t>Potencjalne kierunki rozwoju aplikacji</a:t>
+            </a:r>
+          </a:p>
+          <a:p>
+            <a:r>
+              <a:rPr lang="pl-PL" dirty="0" smtClean="0"/>
+              <a:t>Temat wydaje się być ciekawy</a:t>
+            </a:r>
+          </a:p>
+          <a:p>
+            <a:endParaRPr lang="pl-PL" dirty="0"/>
+          </a:p>
+        </p:txBody>
+      </p:sp>
+    </p:spTree>
+    <p:extLst>
+      <p:ext uri="{BB962C8B-B14F-4D97-AF65-F5344CB8AC3E}">
+        <p14:creationId xmlns:p14="http://schemas.microsoft.com/office/powerpoint/2010/main" val="1429349791"/>
+      </p:ext>
+    </p:extLst>
+  </p:cSld>
+  <p:clrMapOvr>
+    <a:masterClrMapping/>
+  </p:clrMapOvr>
+</p:sld>
+</file>
+
+<file path=ppt/slides/slide3.xml><?xml version="1.0" encoding="utf-8"?>
+<p:sld xmlns:a="http://schemas.openxmlformats.org/drawingml/2006/main" xmlns:r="http://schemas.openxmlformats.org/officeDocument/2006/relationships" xmlns:p="http://schemas.openxmlformats.org/presentationml/2006/main">
+  <p:cSld>
+    <p:spTree>
+      <p:nvGrpSpPr>
+        <p:cNvPr id="1" name=""/>
+        <p:cNvGrpSpPr/>
+        <p:nvPr/>
+      </p:nvGrpSpPr>
+      <p:grpSpPr>
+        <a:xfrm>
+          <a:off x="0" y="0"/>
+          <a:ext cx="0" cy="0"/>
+          <a:chOff x="0" y="0"/>
+          <a:chExt cx="0" cy="0"/>
+        </a:xfrm>
+      </p:grpSpPr>
+      <p:sp>
+        <p:nvSpPr>
+          <p:cNvPr id="2" name="Tytuł 1"/>
+          <p:cNvSpPr>
+            <a:spLocks noGrp="1"/>
+          </p:cNvSpPr>
+          <p:nvPr>
+            <p:ph type="title"/>
+          </p:nvPr>
+        </p:nvSpPr>
+        <p:spPr/>
+        <p:txBody>
+          <a:bodyPr/>
+          <a:lstStyle/>
+          <a:p>
+            <a:r>
+              <a:rPr lang="pl-PL" dirty="0" smtClean="0"/>
               <a:t>Harmonogram</a:t>
             </a:r>
             <a:endParaRPr lang="pl-PL" dirty="0"/>
@@ -3186,7 +3892,7 @@
             <p:ph idx="1"/>
             <p:extLst>
               <p:ext uri="{D42A27DB-BD31-4B8C-83A1-F6EECF244321}">
-                <p14:modId xmlns:p14="http://schemas.microsoft.com/office/powerpoint/2010/main" val="1122921849"/>
+                <p14:modId xmlns:p14="http://schemas.microsoft.com/office/powerpoint/2010/main" val="492200678"/>
               </p:ext>
             </p:extLst>
           </p:nvPr>
@@ -3521,127 +4227,6 @@
 </p:sld>
 </file>
 
-<file path=ppt/slides/slide3.xml><?xml version="1.0" encoding="utf-8"?>
-<p:sld xmlns:a="http://schemas.openxmlformats.org/drawingml/2006/main" xmlns:r="http://schemas.openxmlformats.org/officeDocument/2006/relationships" xmlns:p="http://schemas.openxmlformats.org/presentationml/2006/main">
-  <p:cSld>
-    <p:spTree>
-      <p:nvGrpSpPr>
-        <p:cNvPr id="1" name=""/>
-        <p:cNvGrpSpPr/>
-        <p:nvPr/>
-      </p:nvGrpSpPr>
-      <p:grpSpPr>
-        <a:xfrm>
-          <a:off x="0" y="0"/>
-          <a:ext cx="0" cy="0"/>
-          <a:chOff x="0" y="0"/>
-          <a:chExt cx="0" cy="0"/>
-        </a:xfrm>
-      </p:grpSpPr>
-      <p:sp>
-        <p:nvSpPr>
-          <p:cNvPr id="2" name="Tytuł 1"/>
-          <p:cNvSpPr>
-            <a:spLocks noGrp="1"/>
-          </p:cNvSpPr>
-          <p:nvPr>
-            <p:ph type="title"/>
-          </p:nvPr>
-        </p:nvSpPr>
-        <p:spPr/>
-        <p:txBody>
-          <a:bodyPr/>
-          <a:lstStyle/>
-          <a:p>
-            <a:r>
-              <a:rPr lang="pl-PL" dirty="0" smtClean="0"/>
-              <a:t>Powód wybrania tematu</a:t>
-            </a:r>
-            <a:endParaRPr lang="pl-PL" dirty="0"/>
-          </a:p>
-        </p:txBody>
-      </p:sp>
-      <p:sp>
-        <p:nvSpPr>
-          <p:cNvPr id="3" name="Symbol zastępczy zawartości 2"/>
-          <p:cNvSpPr>
-            <a:spLocks noGrp="1"/>
-          </p:cNvSpPr>
-          <p:nvPr>
-            <p:ph idx="1"/>
-          </p:nvPr>
-        </p:nvSpPr>
-        <p:spPr>
-          <a:xfrm>
-            <a:off x="457200" y="1340768"/>
-            <a:ext cx="8229600" cy="5112568"/>
-          </a:xfrm>
-        </p:spPr>
-        <p:txBody>
-          <a:bodyPr>
-            <a:normAutofit/>
-          </a:bodyPr>
-          <a:lstStyle/>
-          <a:p>
-            <a:r>
-              <a:rPr lang="pl-PL" dirty="0" smtClean="0"/>
-              <a:t>Praca z pakietami sieciowymi</a:t>
-            </a:r>
-          </a:p>
-          <a:p>
-            <a:r>
-              <a:rPr lang="pl-PL" dirty="0" smtClean="0"/>
-              <a:t>Znajomość gniazd sieciowych</a:t>
-            </a:r>
-          </a:p>
-          <a:p>
-            <a:r>
-              <a:rPr lang="pl-PL" dirty="0" smtClean="0"/>
-              <a:t>Możliwość użycia bardziej zaawansowanych metod komunikacji między aplikacjami</a:t>
-            </a:r>
-          </a:p>
-          <a:p>
-            <a:r>
-              <a:rPr lang="pl-PL" dirty="0" smtClean="0"/>
-              <a:t>Możliwość rozszerzenia wiedzy zdobywanej podczas studiów</a:t>
-            </a:r>
-          </a:p>
-          <a:p>
-            <a:r>
-              <a:rPr lang="pl-PL" dirty="0" smtClean="0"/>
-              <a:t>Aplikacja może być przydatna dla innych</a:t>
-            </a:r>
-          </a:p>
-          <a:p>
-            <a:r>
-              <a:rPr lang="pl-PL" dirty="0" smtClean="0"/>
-              <a:t>Potencjalne kierunki rozwoju aplikacji</a:t>
-            </a:r>
-          </a:p>
-          <a:p>
-            <a:r>
-              <a:rPr lang="pl-PL" dirty="0" smtClean="0"/>
-              <a:t>Temat wydaje się być ciekawy</a:t>
-            </a:r>
-          </a:p>
-          <a:p>
-            <a:endParaRPr lang="pl-PL" dirty="0"/>
-          </a:p>
-        </p:txBody>
-      </p:sp>
-    </p:spTree>
-    <p:extLst>
-      <p:ext uri="{BB962C8B-B14F-4D97-AF65-F5344CB8AC3E}">
-        <p14:creationId xmlns:p14="http://schemas.microsoft.com/office/powerpoint/2010/main" val="1429349791"/>
-      </p:ext>
-    </p:extLst>
-  </p:cSld>
-  <p:clrMapOvr>
-    <a:masterClrMapping/>
-  </p:clrMapOvr>
-</p:sld>
-</file>
-
 <file path=ppt/slides/slide4.xml><?xml version="1.0" encoding="utf-8"?>
 <p:sld xmlns:a="http://schemas.openxmlformats.org/drawingml/2006/main" xmlns:r="http://schemas.openxmlformats.org/officeDocument/2006/relationships" xmlns:p="http://schemas.openxmlformats.org/presentationml/2006/main">
   <p:cSld>
@@ -3692,7 +4277,7 @@
             <p:ph idx="1"/>
             <p:extLst>
               <p:ext uri="{D42A27DB-BD31-4B8C-83A1-F6EECF244321}">
-                <p14:modId xmlns:p14="http://schemas.microsoft.com/office/powerpoint/2010/main" val="3861976346"/>
+                <p14:modId xmlns:p14="http://schemas.microsoft.com/office/powerpoint/2010/main" val="785297124"/>
               </p:ext>
             </p:extLst>
           </p:nvPr>
@@ -3820,7 +4405,14 @@
                       <a:pPr algn="ctr"/>
                       <a:r>
                         <a:rPr lang="pl-PL" dirty="0" smtClean="0"/>
-                        <a:t>Cykliczne monitorowanie ruchu i wysyłanie</a:t>
+                        <a:t>Cykliczne monitorowanie ruchu </a:t>
+                      </a:r>
+                    </a:p>
+                    <a:p>
+                      <a:pPr algn="ctr"/>
+                      <a:r>
+                        <a:rPr lang="pl-PL" dirty="0" smtClean="0"/>
+                        <a:t>i wysyłanie</a:t>
                       </a:r>
                       <a:r>
                         <a:rPr lang="pl-PL" baseline="0" dirty="0" smtClean="0"/>
@@ -3842,7 +4434,6 @@
                         <a:rPr lang="pl-PL" dirty="0" smtClean="0"/>
                         <a:t> danych</a:t>
                       </a:r>
-                      <a:endParaRPr lang="pl-PL" dirty="0" smtClean="0"/>
                     </a:p>
                     <a:p>
                       <a:pPr algn="ctr"/>
@@ -3931,7 +4522,7 @@
           <a:p>
             <a:r>
               <a:rPr lang="pl-PL" dirty="0" smtClean="0"/>
-              <a:t>Pytania</a:t>
+              <a:t>Iteracja 23.03 – 06.04 </a:t>
             </a:r>
             <a:endParaRPr lang="pl-PL" dirty="0"/>
           </a:p>
@@ -3947,74 +4538,346 @@
             <p:ph idx="1"/>
           </p:nvPr>
         </p:nvSpPr>
-        <p:spPr>
-          <a:xfrm>
-            <a:off x="457200" y="1600200"/>
-            <a:ext cx="8229600" cy="4997152"/>
-          </a:xfrm>
-        </p:spPr>
+        <p:spPr/>
         <p:txBody>
           <a:bodyPr>
             <a:normAutofit/>
           </a:bodyPr>
           <a:lstStyle/>
           <a:p>
-            <a:pPr marL="0" indent="0" algn="r">
+            <a:pPr marL="0" indent="0" algn="ctr">
+              <a:buNone/>
+            </a:pPr>
+            <a:endParaRPr lang="pl-PL" sz="3600" dirty="0"/>
+          </a:p>
+          <a:p>
+            <a:pPr marL="0" indent="0" algn="ctr">
+              <a:buNone/>
+            </a:pPr>
+            <a:r>
+              <a:rPr lang="pl-PL" sz="3600" dirty="0" smtClean="0"/>
+              <a:t>Podział </a:t>
+            </a:r>
+            <a:r>
+              <a:rPr lang="pl-PL" sz="3600" dirty="0"/>
+              <a:t>prac, uruchomienie aplikacji serwera/klienta</a:t>
+            </a:r>
+          </a:p>
+          <a:p>
+            <a:pPr marL="0" indent="0">
+              <a:buNone/>
+            </a:pPr>
+            <a:endParaRPr lang="pl-PL" sz="3600" dirty="0"/>
+          </a:p>
+        </p:txBody>
+      </p:sp>
+    </p:spTree>
+    <p:extLst>
+      <p:ext uri="{BB962C8B-B14F-4D97-AF65-F5344CB8AC3E}">
+        <p14:creationId xmlns:p14="http://schemas.microsoft.com/office/powerpoint/2010/main" val="3876198655"/>
+      </p:ext>
+    </p:extLst>
+  </p:cSld>
+  <p:clrMapOvr>
+    <a:masterClrMapping/>
+  </p:clrMapOvr>
+</p:sld>
+</file>
+
+<file path=ppt/slides/slide6.xml><?xml version="1.0" encoding="utf-8"?>
+<p:sld xmlns:a="http://schemas.openxmlformats.org/drawingml/2006/main" xmlns:r="http://schemas.openxmlformats.org/officeDocument/2006/relationships" xmlns:p="http://schemas.openxmlformats.org/presentationml/2006/main">
+  <p:cSld>
+    <p:spTree>
+      <p:nvGrpSpPr>
+        <p:cNvPr id="1" name=""/>
+        <p:cNvGrpSpPr/>
+        <p:nvPr/>
+      </p:nvGrpSpPr>
+      <p:grpSpPr>
+        <a:xfrm>
+          <a:off x="0" y="0"/>
+          <a:ext cx="0" cy="0"/>
+          <a:chOff x="0" y="0"/>
+          <a:chExt cx="0" cy="0"/>
+        </a:xfrm>
+      </p:grpSpPr>
+      <p:sp>
+        <p:nvSpPr>
+          <p:cNvPr id="2" name="Tytuł 1"/>
+          <p:cNvSpPr>
+            <a:spLocks noGrp="1"/>
+          </p:cNvSpPr>
+          <p:nvPr>
+            <p:ph type="title"/>
+          </p:nvPr>
+        </p:nvSpPr>
+        <p:spPr/>
+        <p:txBody>
+          <a:bodyPr/>
+          <a:lstStyle/>
+          <a:p>
+            <a:r>
+              <a:rPr lang="pl-PL" dirty="0" smtClean="0"/>
+              <a:t>Uruchomienie aplikacji serwera</a:t>
+            </a:r>
+            <a:endParaRPr lang="pl-PL" dirty="0"/>
+          </a:p>
+        </p:txBody>
+      </p:sp>
+      <p:sp>
+        <p:nvSpPr>
+          <p:cNvPr id="3" name="Symbol zastępczy zawartości 2"/>
+          <p:cNvSpPr>
+            <a:spLocks noGrp="1"/>
+          </p:cNvSpPr>
+          <p:nvPr>
+            <p:ph idx="1"/>
+          </p:nvPr>
+        </p:nvSpPr>
+        <p:spPr/>
+        <p:txBody>
+          <a:bodyPr/>
+          <a:lstStyle/>
+          <a:p>
+            <a:pPr marL="0" indent="0" algn="ctr">
+              <a:buNone/>
+            </a:pPr>
+            <a:r>
+              <a:rPr lang="pl-PL" dirty="0">
+                <a:hlinkClick r:id="rId2"/>
+              </a:rPr>
+              <a:t>https://</a:t>
+            </a:r>
+            <a:r>
+              <a:rPr lang="pl-PL" dirty="0" smtClean="0">
+                <a:hlinkClick r:id="rId2"/>
+              </a:rPr>
+              <a:t>github.com/mateuszbyczkowski/Byczkowski_Dominiak_MonitorRuchuSieci</a:t>
+            </a:r>
+            <a:r>
+              <a:rPr lang="pl-PL" dirty="0" smtClean="0"/>
+              <a:t> </a:t>
+            </a:r>
+          </a:p>
+          <a:p>
+            <a:pPr marL="0" indent="0" algn="ctr">
               <a:buNone/>
             </a:pPr>
             <a:endParaRPr lang="pl-PL" dirty="0" smtClean="0"/>
           </a:p>
           <a:p>
-            <a:pPr marL="0" indent="0" algn="r">
+            <a:pPr marL="0" indent="0" algn="ctr">
+              <a:buNone/>
+            </a:pPr>
+            <a:endParaRPr lang="pl-PL" dirty="0" smtClean="0">
+              <a:hlinkClick r:id="rId3"/>
+            </a:endParaRPr>
+          </a:p>
+          <a:p>
+            <a:pPr marL="0" indent="0" algn="ctr">
+              <a:buNone/>
+            </a:pPr>
+            <a:endParaRPr lang="pl-PL" dirty="0" smtClean="0">
+              <a:hlinkClick r:id="rId3"/>
+            </a:endParaRPr>
+          </a:p>
+          <a:p>
+            <a:pPr marL="0" indent="0" algn="ctr">
+              <a:buNone/>
+            </a:pPr>
+            <a:r>
+              <a:rPr lang="pl-PL" dirty="0" smtClean="0">
+                <a:hlinkClick r:id="rId3"/>
+              </a:rPr>
+              <a:t>https</a:t>
+            </a:r>
+            <a:r>
+              <a:rPr lang="pl-PL" dirty="0">
+                <a:hlinkClick r:id="rId3"/>
+              </a:rPr>
+              <a:t>://github.com/mateuszbyczkowski/Client-Site</a:t>
+            </a:r>
+            <a:r>
+              <a:rPr lang="pl-PL" dirty="0"/>
+              <a:t> </a:t>
+            </a:r>
+          </a:p>
+          <a:p>
+            <a:pPr marL="0" indent="0" algn="ctr">
               <a:buNone/>
             </a:pPr>
             <a:endParaRPr lang="pl-PL" dirty="0"/>
           </a:p>
           <a:p>
-            <a:pPr marL="0" indent="0" algn="r">
+            <a:pPr marL="0" indent="0" algn="ctr">
+              <a:buNone/>
+            </a:pPr>
+            <a:endParaRPr lang="pl-PL" dirty="0"/>
+          </a:p>
+        </p:txBody>
+      </p:sp>
+      <p:sp>
+        <p:nvSpPr>
+          <p:cNvPr id="5" name="Tytuł 1"/>
+          <p:cNvSpPr txBox="1">
+            <a:spLocks/>
+          </p:cNvSpPr>
+          <p:nvPr/>
+        </p:nvSpPr>
+        <p:spPr>
+          <a:xfrm>
+            <a:off x="467544" y="3347843"/>
+            <a:ext cx="8229600" cy="1143000"/>
+          </a:xfrm>
+          <a:prstGeom prst="rect">
+            <a:avLst/>
+          </a:prstGeom>
+        </p:spPr>
+        <p:txBody>
+          <a:bodyPr vert="horz" lIns="91440" tIns="45720" rIns="91440" bIns="45720" rtlCol="0" anchor="ctr">
+            <a:normAutofit/>
+          </a:bodyPr>
+          <a:lstStyle>
+            <a:lvl1pPr algn="ctr" defTabSz="914400" rtl="0" eaLnBrk="1" latinLnBrk="0" hangingPunct="1">
+              <a:spcBef>
+                <a:spcPct val="0"/>
+              </a:spcBef>
+              <a:buNone/>
+              <a:defRPr sz="4400" kern="1200">
+                <a:solidFill>
+                  <a:schemeClr val="tx1"/>
+                </a:solidFill>
+                <a:latin typeface="+mj-lt"/>
+                <a:ea typeface="+mj-ea"/>
+                <a:cs typeface="+mj-cs"/>
+              </a:defRPr>
+            </a:lvl1pPr>
+          </a:lstStyle>
+          <a:p>
+            <a:r>
+              <a:rPr lang="pl-PL" dirty="0" smtClean="0"/>
+              <a:t>Uruchomienie aplikacji klienta</a:t>
+            </a:r>
+            <a:endParaRPr lang="pl-PL" dirty="0"/>
+          </a:p>
+        </p:txBody>
+      </p:sp>
+    </p:spTree>
+    <p:extLst>
+      <p:ext uri="{BB962C8B-B14F-4D97-AF65-F5344CB8AC3E}">
+        <p14:creationId xmlns:p14="http://schemas.microsoft.com/office/powerpoint/2010/main" val="270312614"/>
+      </p:ext>
+    </p:extLst>
+  </p:cSld>
+  <p:clrMapOvr>
+    <a:masterClrMapping/>
+  </p:clrMapOvr>
+</p:sld>
+</file>
+
+<file path=ppt/slides/slide7.xml><?xml version="1.0" encoding="utf-8"?>
+<p:sld xmlns:a="http://schemas.openxmlformats.org/drawingml/2006/main" xmlns:r="http://schemas.openxmlformats.org/officeDocument/2006/relationships" xmlns:p="http://schemas.openxmlformats.org/presentationml/2006/main">
+  <p:cSld>
+    <p:spTree>
+      <p:nvGrpSpPr>
+        <p:cNvPr id="1" name=""/>
+        <p:cNvGrpSpPr/>
+        <p:nvPr/>
+      </p:nvGrpSpPr>
+      <p:grpSpPr>
+        <a:xfrm>
+          <a:off x="0" y="0"/>
+          <a:ext cx="0" cy="0"/>
+          <a:chOff x="0" y="0"/>
+          <a:chExt cx="0" cy="0"/>
+        </a:xfrm>
+      </p:grpSpPr>
+      <p:sp>
+        <p:nvSpPr>
+          <p:cNvPr id="3" name="Symbol zastępczy zawartości 2"/>
+          <p:cNvSpPr>
+            <a:spLocks noGrp="1"/>
+          </p:cNvSpPr>
+          <p:nvPr>
+            <p:ph idx="1"/>
+          </p:nvPr>
+        </p:nvSpPr>
+        <p:spPr>
+          <a:xfrm>
+            <a:off x="484485" y="157907"/>
+            <a:ext cx="8229600" cy="3847157"/>
+          </a:xfrm>
+        </p:spPr>
+        <p:txBody>
+          <a:bodyPr>
+            <a:normAutofit lnSpcReduction="10000"/>
+          </a:bodyPr>
+          <a:lstStyle/>
+          <a:p>
+            <a:pPr marL="0" indent="0" algn="ctr">
+              <a:buNone/>
+            </a:pPr>
+            <a:r>
+              <a:rPr lang="pl-PL" dirty="0" smtClean="0"/>
+              <a:t>Uruchomienie serwera</a:t>
+            </a:r>
+          </a:p>
+          <a:p>
+            <a:pPr marL="0" indent="0" algn="ctr">
+              <a:buNone/>
+            </a:pPr>
+            <a:endParaRPr lang="pl-PL" dirty="0"/>
+          </a:p>
+          <a:p>
+            <a:pPr marL="0" indent="0" algn="ctr">
               <a:buNone/>
             </a:pPr>
             <a:endParaRPr lang="pl-PL" dirty="0" smtClean="0"/>
           </a:p>
           <a:p>
-            <a:pPr marL="0" indent="0" algn="r">
+            <a:pPr marL="0" indent="0" algn="ctr">
               <a:buNone/>
             </a:pPr>
             <a:endParaRPr lang="pl-PL" dirty="0"/>
           </a:p>
           <a:p>
-            <a:pPr marL="0" indent="0" algn="r">
+            <a:pPr marL="0" indent="0" algn="ctr">
               <a:buNone/>
             </a:pPr>
             <a:endParaRPr lang="pl-PL" dirty="0" smtClean="0"/>
           </a:p>
           <a:p>
-            <a:pPr marL="0" indent="0" algn="r">
+            <a:pPr marL="0" indent="0" algn="ctr">
+              <a:buNone/>
+            </a:pPr>
+            <a:endParaRPr lang="pl-PL" dirty="0" smtClean="0"/>
+          </a:p>
+          <a:p>
+            <a:pPr marL="0" indent="0" algn="ctr">
+              <a:buNone/>
+            </a:pPr>
+            <a:r>
+              <a:rPr lang="pl-PL" dirty="0" smtClean="0"/>
+              <a:t>Uruchomienie klienta</a:t>
+            </a:r>
+          </a:p>
+          <a:p>
+            <a:pPr marL="0" indent="0" algn="ctr">
+              <a:buNone/>
+            </a:pPr>
+            <a:endParaRPr lang="pl-PL" dirty="0" smtClean="0"/>
+          </a:p>
+          <a:p>
+            <a:pPr marL="0" indent="0" algn="ctr">
               <a:buNone/>
             </a:pPr>
             <a:endParaRPr lang="pl-PL" dirty="0"/>
           </a:p>
-          <a:p>
-            <a:pPr marL="0" indent="0" algn="r">
-              <a:buNone/>
-            </a:pPr>
-            <a:endParaRPr lang="pl-PL" dirty="0"/>
-          </a:p>
-          <a:p>
-            <a:pPr marL="0" indent="0" algn="r">
-              <a:buNone/>
-            </a:pPr>
-            <a:r>
-              <a:rPr lang="pl-PL" dirty="0" smtClean="0"/>
-              <a:t>Dziękujemy	</a:t>
-            </a:r>
-            <a:endParaRPr lang="pl-PL" dirty="0"/>
-          </a:p>
         </p:txBody>
       </p:sp>
       <p:pic>
         <p:nvPicPr>
-          <p:cNvPr id="1028" name="Picture 4" descr="http://mikrotik.co.id/images/artikel/TCPIP/DasarJaringan/RING.png"/>
+          <p:cNvPr id="4" name="Picture 2" descr="C:\Users\mateu\Desktop\PT-screeny\PT screeny\1. Uruchomienie serwera i oczekiwanie na połączenie użytkownika.JPG"/>
           <p:cNvPicPr>
             <a:picLocks noChangeAspect="1" noChangeArrowheads="1"/>
           </p:cNvPicPr>
@@ -4035,8 +4898,49 @@
         </p:blipFill>
         <p:spPr bwMode="auto">
           <a:xfrm>
-            <a:off x="1835696" y="1418913"/>
-            <a:ext cx="5472608" cy="4458359"/>
+            <a:off x="1411830" y="764704"/>
+            <a:ext cx="6391275" cy="2209800"/>
+          </a:xfrm>
+          <a:prstGeom prst="rect">
+            <a:avLst/>
+          </a:prstGeom>
+          <a:noFill/>
+          <a:extLst>
+            <a:ext uri="{909E8E84-426E-40DD-AFC4-6F175D3DCCD1}">
+              <a14:hiddenFill xmlns:a14="http://schemas.microsoft.com/office/drawing/2010/main">
+                <a:solidFill>
+                  <a:srgbClr val="FFFFFF"/>
+                </a:solidFill>
+              </a14:hiddenFill>
+            </a:ext>
+          </a:extLst>
+        </p:spPr>
+      </p:pic>
+      <p:pic>
+        <p:nvPicPr>
+          <p:cNvPr id="6146" name="Picture 2" descr="https://scontent-waw1-1.xx.fbcdn.net/v/t34.0-12/17792418_1288097217951971_1722440434_n.jpg?oh=3bee1ac1997a46ecc8a83cd9718f8f0b&amp;oe=58E8B26D"/>
+          <p:cNvPicPr>
+            <a:picLocks noChangeAspect="1" noChangeArrowheads="1"/>
+          </p:cNvPicPr>
+          <p:nvPr/>
+        </p:nvPicPr>
+        <p:blipFill>
+          <a:blip r:embed="rId3">
+            <a:extLst>
+              <a:ext uri="{28A0092B-C50C-407E-A947-70E740481C1C}">
+                <a14:useLocalDpi xmlns:a14="http://schemas.microsoft.com/office/drawing/2010/main" val="0"/>
+              </a:ext>
+            </a:extLst>
+          </a:blip>
+          <a:srcRect/>
+          <a:stretch>
+            <a:fillRect/>
+          </a:stretch>
+        </p:blipFill>
+        <p:spPr bwMode="auto">
+          <a:xfrm>
+            <a:off x="1354679" y="4005064"/>
+            <a:ext cx="6448425" cy="2314575"/>
           </a:xfrm>
           <a:prstGeom prst="rect">
             <a:avLst/>
@@ -4056,7 +4960,359 @@
     </p:spTree>
     <p:extLst>
       <p:ext uri="{BB962C8B-B14F-4D97-AF65-F5344CB8AC3E}">
-        <p14:creationId xmlns:p14="http://schemas.microsoft.com/office/powerpoint/2010/main" val="105154421"/>
+        <p14:creationId xmlns:p14="http://schemas.microsoft.com/office/powerpoint/2010/main" val="3720296456"/>
+      </p:ext>
+    </p:extLst>
+  </p:cSld>
+  <p:clrMapOvr>
+    <a:masterClrMapping/>
+  </p:clrMapOvr>
+</p:sld>
+</file>
+
+<file path=ppt/slides/slide8.xml><?xml version="1.0" encoding="utf-8"?>
+<p:sld xmlns:a="http://schemas.openxmlformats.org/drawingml/2006/main" xmlns:r="http://schemas.openxmlformats.org/officeDocument/2006/relationships" xmlns:p="http://schemas.openxmlformats.org/presentationml/2006/main">
+  <p:cSld>
+    <p:spTree>
+      <p:nvGrpSpPr>
+        <p:cNvPr id="1" name=""/>
+        <p:cNvGrpSpPr/>
+        <p:nvPr/>
+      </p:nvGrpSpPr>
+      <p:grpSpPr>
+        <a:xfrm>
+          <a:off x="0" y="0"/>
+          <a:ext cx="0" cy="0"/>
+          <a:chOff x="0" y="0"/>
+          <a:chExt cx="0" cy="0"/>
+        </a:xfrm>
+      </p:grpSpPr>
+      <p:sp>
+        <p:nvSpPr>
+          <p:cNvPr id="3" name="Symbol zastępczy zawartości 2"/>
+          <p:cNvSpPr>
+            <a:spLocks noGrp="1"/>
+          </p:cNvSpPr>
+          <p:nvPr>
+            <p:ph idx="1"/>
+          </p:nvPr>
+        </p:nvSpPr>
+        <p:spPr>
+          <a:xfrm>
+            <a:off x="395536" y="332656"/>
+            <a:ext cx="8229600" cy="6264696"/>
+          </a:xfrm>
+        </p:spPr>
+        <p:txBody>
+          <a:bodyPr/>
+          <a:lstStyle/>
+          <a:p>
+            <a:pPr marL="0" indent="0" algn="ctr">
+              <a:buNone/>
+            </a:pPr>
+            <a:r>
+              <a:rPr lang="pl-PL" dirty="0" smtClean="0"/>
+              <a:t>Uruchomienie klienta – podanie IP serwera</a:t>
+            </a:r>
+          </a:p>
+          <a:p>
+            <a:pPr marL="0" indent="0" algn="ctr">
+              <a:buNone/>
+            </a:pPr>
+            <a:endParaRPr lang="pl-PL" dirty="0"/>
+          </a:p>
+          <a:p>
+            <a:pPr marL="0" indent="0" algn="ctr">
+              <a:buNone/>
+            </a:pPr>
+            <a:endParaRPr lang="pl-PL" dirty="0" smtClean="0"/>
+          </a:p>
+          <a:p>
+            <a:pPr marL="0" indent="0" algn="ctr">
+              <a:buNone/>
+            </a:pPr>
+            <a:endParaRPr lang="pl-PL" dirty="0"/>
+          </a:p>
+          <a:p>
+            <a:pPr marL="0" indent="0" algn="ctr">
+              <a:buNone/>
+            </a:pPr>
+            <a:endParaRPr lang="pl-PL" dirty="0" smtClean="0"/>
+          </a:p>
+          <a:p>
+            <a:pPr marL="0" indent="0" algn="ctr">
+              <a:buNone/>
+            </a:pPr>
+            <a:r>
+              <a:rPr lang="pl-PL" dirty="0" smtClean="0"/>
+              <a:t>Podanie IP klienta – później pobierane automatycznie</a:t>
+            </a:r>
+            <a:endParaRPr lang="pl-PL" dirty="0"/>
+          </a:p>
+        </p:txBody>
+      </p:sp>
+      <p:pic>
+        <p:nvPicPr>
+          <p:cNvPr id="2050" name="Picture 2" descr="C:\Users\mateu\Desktop\PT-screeny\PT screeny\2.W oknie klienta podajemy adres serwera.JPG"/>
+          <p:cNvPicPr>
+            <a:picLocks noChangeAspect="1" noChangeArrowheads="1"/>
+          </p:cNvPicPr>
+          <p:nvPr/>
+        </p:nvPicPr>
+        <p:blipFill>
+          <a:blip r:embed="rId2">
+            <a:extLst>
+              <a:ext uri="{28A0092B-C50C-407E-A947-70E740481C1C}">
+                <a14:useLocalDpi xmlns:a14="http://schemas.microsoft.com/office/drawing/2010/main" val="0"/>
+              </a:ext>
+            </a:extLst>
+          </a:blip>
+          <a:srcRect/>
+          <a:stretch>
+            <a:fillRect/>
+          </a:stretch>
+        </p:blipFill>
+        <p:spPr bwMode="auto">
+          <a:xfrm>
+            <a:off x="1403648" y="980728"/>
+            <a:ext cx="6391275" cy="2266950"/>
+          </a:xfrm>
+          <a:prstGeom prst="rect">
+            <a:avLst/>
+          </a:prstGeom>
+          <a:noFill/>
+          <a:extLst>
+            <a:ext uri="{909E8E84-426E-40DD-AFC4-6F175D3DCCD1}">
+              <a14:hiddenFill xmlns:a14="http://schemas.microsoft.com/office/drawing/2010/main">
+                <a:solidFill>
+                  <a:srgbClr val="FFFFFF"/>
+                </a:solidFill>
+              </a14:hiddenFill>
+            </a:ext>
+          </a:extLst>
+        </p:spPr>
+      </p:pic>
+      <p:pic>
+        <p:nvPicPr>
+          <p:cNvPr id="2051" name="Picture 3" descr="C:\Users\mateu\Desktop\PT-screeny\PT screeny\3. Następnie podajemy IP naszej maszyny.JPG"/>
+          <p:cNvPicPr>
+            <a:picLocks noChangeAspect="1" noChangeArrowheads="1"/>
+          </p:cNvPicPr>
+          <p:nvPr/>
+        </p:nvPicPr>
+        <p:blipFill>
+          <a:blip r:embed="rId3">
+            <a:extLst>
+              <a:ext uri="{28A0092B-C50C-407E-A947-70E740481C1C}">
+                <a14:useLocalDpi xmlns:a14="http://schemas.microsoft.com/office/drawing/2010/main" val="0"/>
+              </a:ext>
+            </a:extLst>
+          </a:blip>
+          <a:srcRect/>
+          <a:stretch>
+            <a:fillRect/>
+          </a:stretch>
+        </p:blipFill>
+        <p:spPr bwMode="auto">
+          <a:xfrm>
+            <a:off x="1401998" y="4365104"/>
+            <a:ext cx="6381751" cy="2276475"/>
+          </a:xfrm>
+          <a:prstGeom prst="rect">
+            <a:avLst/>
+          </a:prstGeom>
+          <a:noFill/>
+          <a:extLst>
+            <a:ext uri="{909E8E84-426E-40DD-AFC4-6F175D3DCCD1}">
+              <a14:hiddenFill xmlns:a14="http://schemas.microsoft.com/office/drawing/2010/main">
+                <a:solidFill>
+                  <a:srgbClr val="FFFFFF"/>
+                </a:solidFill>
+              </a14:hiddenFill>
+            </a:ext>
+          </a:extLst>
+        </p:spPr>
+      </p:pic>
+    </p:spTree>
+    <p:extLst>
+      <p:ext uri="{BB962C8B-B14F-4D97-AF65-F5344CB8AC3E}">
+        <p14:creationId xmlns:p14="http://schemas.microsoft.com/office/powerpoint/2010/main" val="174158443"/>
+      </p:ext>
+    </p:extLst>
+  </p:cSld>
+  <p:clrMapOvr>
+    <a:masterClrMapping/>
+  </p:clrMapOvr>
+</p:sld>
+</file>
+
+<file path=ppt/slides/slide9.xml><?xml version="1.0" encoding="utf-8"?>
+<p:sld xmlns:a="http://schemas.openxmlformats.org/drawingml/2006/main" xmlns:r="http://schemas.openxmlformats.org/officeDocument/2006/relationships" xmlns:p="http://schemas.openxmlformats.org/presentationml/2006/main">
+  <p:cSld>
+    <p:spTree>
+      <p:nvGrpSpPr>
+        <p:cNvPr id="1" name=""/>
+        <p:cNvGrpSpPr/>
+        <p:nvPr/>
+      </p:nvGrpSpPr>
+      <p:grpSpPr>
+        <a:xfrm>
+          <a:off x="0" y="0"/>
+          <a:ext cx="0" cy="0"/>
+          <a:chOff x="0" y="0"/>
+          <a:chExt cx="0" cy="0"/>
+        </a:xfrm>
+      </p:grpSpPr>
+      <p:sp>
+        <p:nvSpPr>
+          <p:cNvPr id="3" name="Symbol zastępczy zawartości 2"/>
+          <p:cNvSpPr>
+            <a:spLocks noGrp="1"/>
+          </p:cNvSpPr>
+          <p:nvPr>
+            <p:ph idx="1"/>
+          </p:nvPr>
+        </p:nvSpPr>
+        <p:spPr>
+          <a:xfrm>
+            <a:off x="443948" y="195470"/>
+            <a:ext cx="8229600" cy="6401882"/>
+          </a:xfrm>
+        </p:spPr>
+        <p:txBody>
+          <a:bodyPr/>
+          <a:lstStyle/>
+          <a:p>
+            <a:pPr marL="0" indent="0" algn="ctr">
+              <a:buNone/>
+            </a:pPr>
+            <a:r>
+              <a:rPr lang="pl-PL" dirty="0" smtClean="0"/>
+              <a:t>Wyświetlenie przez serwer informacji o połączonych klientach</a:t>
+            </a:r>
+          </a:p>
+          <a:p>
+            <a:pPr marL="0" indent="0" algn="ctr">
+              <a:buNone/>
+            </a:pPr>
+            <a:endParaRPr lang="pl-PL" dirty="0"/>
+          </a:p>
+          <a:p>
+            <a:pPr marL="0" indent="0" algn="ctr">
+              <a:buNone/>
+            </a:pPr>
+            <a:endParaRPr lang="pl-PL" dirty="0" smtClean="0"/>
+          </a:p>
+          <a:p>
+            <a:pPr marL="0" indent="0" algn="ctr">
+              <a:buNone/>
+            </a:pPr>
+            <a:endParaRPr lang="pl-PL" dirty="0"/>
+          </a:p>
+          <a:p>
+            <a:pPr marL="0" indent="0" algn="ctr">
+              <a:buNone/>
+            </a:pPr>
+            <a:endParaRPr lang="pl-PL" dirty="0" smtClean="0"/>
+          </a:p>
+          <a:p>
+            <a:pPr marL="0" indent="0" algn="ctr">
+              <a:buNone/>
+            </a:pPr>
+            <a:r>
+              <a:rPr lang="pl-PL" dirty="0" smtClean="0"/>
+              <a:t>Użytkownik wysyła komunikat do serwera</a:t>
+            </a:r>
+            <a:endParaRPr lang="pl-PL" dirty="0"/>
+          </a:p>
+        </p:txBody>
+      </p:sp>
+      <p:pic>
+        <p:nvPicPr>
+          <p:cNvPr id="3074" name="Picture 2" descr="C:\Users\mateu\Desktop\PT-screeny\PT screeny\4. Serwer wyświetla komunikat o połączonym użytkowniku.JPG"/>
+          <p:cNvPicPr>
+            <a:picLocks noChangeAspect="1" noChangeArrowheads="1"/>
+          </p:cNvPicPr>
+          <p:nvPr/>
+        </p:nvPicPr>
+        <p:blipFill>
+          <a:blip r:embed="rId2">
+            <a:extLst>
+              <a:ext uri="{28A0092B-C50C-407E-A947-70E740481C1C}">
+                <a14:useLocalDpi xmlns:a14="http://schemas.microsoft.com/office/drawing/2010/main" val="0"/>
+              </a:ext>
+            </a:extLst>
+          </a:blip>
+          <a:srcRect/>
+          <a:stretch>
+            <a:fillRect/>
+          </a:stretch>
+        </p:blipFill>
+        <p:spPr bwMode="auto">
+          <a:xfrm>
+            <a:off x="1403648" y="1320060"/>
+            <a:ext cx="6372225" cy="2305050"/>
+          </a:xfrm>
+          <a:prstGeom prst="rect">
+            <a:avLst/>
+          </a:prstGeom>
+          <a:noFill/>
+          <a:extLst>
+            <a:ext uri="{909E8E84-426E-40DD-AFC4-6F175D3DCCD1}">
+              <a14:hiddenFill xmlns:a14="http://schemas.microsoft.com/office/drawing/2010/main">
+                <a:solidFill>
+                  <a:srgbClr val="FFFFFF"/>
+                </a:solidFill>
+              </a14:hiddenFill>
+            </a:ext>
+          </a:extLst>
+        </p:spPr>
+      </p:pic>
+      <p:pic>
+        <p:nvPicPr>
+          <p:cNvPr id="3075" name="Picture 3" descr="C:\Users\mateu\Desktop\PT-screeny\PT screeny\5. Użytkownik wysyła komunikat do serwera.JPG"/>
+          <p:cNvPicPr>
+            <a:picLocks noChangeAspect="1" noChangeArrowheads="1"/>
+          </p:cNvPicPr>
+          <p:nvPr/>
+        </p:nvPicPr>
+        <p:blipFill>
+          <a:blip r:embed="rId3">
+            <a:extLst>
+              <a:ext uri="{28A0092B-C50C-407E-A947-70E740481C1C}">
+                <a14:useLocalDpi xmlns:a14="http://schemas.microsoft.com/office/drawing/2010/main" val="0"/>
+              </a:ext>
+            </a:extLst>
+          </a:blip>
+          <a:srcRect/>
+          <a:stretch>
+            <a:fillRect/>
+          </a:stretch>
+        </p:blipFill>
+        <p:spPr bwMode="auto">
+          <a:xfrm>
+            <a:off x="1450276" y="4293095"/>
+            <a:ext cx="6343650" cy="2257425"/>
+          </a:xfrm>
+          <a:prstGeom prst="rect">
+            <a:avLst/>
+          </a:prstGeom>
+          <a:noFill/>
+          <a:extLst>
+            <a:ext uri="{909E8E84-426E-40DD-AFC4-6F175D3DCCD1}">
+              <a14:hiddenFill xmlns:a14="http://schemas.microsoft.com/office/drawing/2010/main">
+                <a:solidFill>
+                  <a:srgbClr val="FFFFFF"/>
+                </a:solidFill>
+              </a14:hiddenFill>
+            </a:ext>
+          </a:extLst>
+        </p:spPr>
+      </p:pic>
+    </p:spTree>
+    <p:extLst>
+      <p:ext uri="{BB962C8B-B14F-4D97-AF65-F5344CB8AC3E}">
+        <p14:creationId xmlns:p14="http://schemas.microsoft.com/office/powerpoint/2010/main" val="3463449248"/>
       </p:ext>
     </p:extLst>
   </p:cSld>
